--- a/clinical-research-methodology/results/video14-research-talks.pptx
+++ b/clinical-research-methodology/results/video14-research-talks.pptx
@@ -1,6 +1,6 @@
 
 <file path=ppt/presentation.xml><?xml version="1.0" encoding="utf-8"?>
-<p:presentation xmlns:a="http://schemas.openxmlformats.org/drawingml/2006/main" xmlns:r="http://schemas.openxmlformats.org/officeDocument/2006/relationships" xmlns:p="http://schemas.openxmlformats.org/presentationml/2006/main" saveSubsetFonts="1" autoCompressPictures="0">
+<p:presentation xmlns:a="http://schemas.openxmlformats.org/drawingml/2006/main" xmlns:p="http://schemas.openxmlformats.org/presentationml/2006/main" xmlns:r="http://schemas.openxmlformats.org/officeDocument/2006/relationships" autoCompressPictures="0" saveSubsetFonts="1">
   <p:sldMasterIdLst>
     <p:sldMasterId id="2147483648" r:id="rId1"/>
   </p:sldMasterIdLst>
@@ -42,8 +42,8 @@
     <a:defPPr>
       <a:defRPr lang="en-US"/>
     </a:defPPr>
-    <a:lvl1pPr marL="0" algn="l" defTabSz="457200" rtl="0" eaLnBrk="1" latinLnBrk="0" hangingPunct="1">
-      <a:defRPr sz="1800" kern="1200">
+    <a:lvl1pPr algn="l" defTabSz="457200" eaLnBrk="1" hangingPunct="1" latinLnBrk="0" marL="0" rtl="0">
+      <a:defRPr kern="1200" sz="1800">
         <a:solidFill>
           <a:schemeClr val="tx1"/>
         </a:solidFill>
@@ -52,8 +52,8 @@
         <a:cs typeface="+mn-cs"/>
       </a:defRPr>
     </a:lvl1pPr>
-    <a:lvl2pPr marL="457200" algn="l" defTabSz="457200" rtl="0" eaLnBrk="1" latinLnBrk="0" hangingPunct="1">
-      <a:defRPr sz="1800" kern="1200">
+    <a:lvl2pPr algn="l" defTabSz="457200" eaLnBrk="1" hangingPunct="1" latinLnBrk="0" marL="457200" rtl="0">
+      <a:defRPr kern="1200" sz="1800">
         <a:solidFill>
           <a:schemeClr val="tx1"/>
         </a:solidFill>
@@ -62,8 +62,8 @@
         <a:cs typeface="+mn-cs"/>
       </a:defRPr>
     </a:lvl2pPr>
-    <a:lvl3pPr marL="914400" algn="l" defTabSz="457200" rtl="0" eaLnBrk="1" latinLnBrk="0" hangingPunct="1">
-      <a:defRPr sz="1800" kern="1200">
+    <a:lvl3pPr algn="l" defTabSz="457200" eaLnBrk="1" hangingPunct="1" latinLnBrk="0" marL="914400" rtl="0">
+      <a:defRPr kern="1200" sz="1800">
         <a:solidFill>
           <a:schemeClr val="tx1"/>
         </a:solidFill>
@@ -72,8 +72,8 @@
         <a:cs typeface="+mn-cs"/>
       </a:defRPr>
     </a:lvl3pPr>
-    <a:lvl4pPr marL="1371600" algn="l" defTabSz="457200" rtl="0" eaLnBrk="1" latinLnBrk="0" hangingPunct="1">
-      <a:defRPr sz="1800" kern="1200">
+    <a:lvl4pPr algn="l" defTabSz="457200" eaLnBrk="1" hangingPunct="1" latinLnBrk="0" marL="1371600" rtl="0">
+      <a:defRPr kern="1200" sz="1800">
         <a:solidFill>
           <a:schemeClr val="tx1"/>
         </a:solidFill>
@@ -82,8 +82,8 @@
         <a:cs typeface="+mn-cs"/>
       </a:defRPr>
     </a:lvl4pPr>
-    <a:lvl5pPr marL="1828800" algn="l" defTabSz="457200" rtl="0" eaLnBrk="1" latinLnBrk="0" hangingPunct="1">
-      <a:defRPr sz="1800" kern="1200">
+    <a:lvl5pPr algn="l" defTabSz="457200" eaLnBrk="1" hangingPunct="1" latinLnBrk="0" marL="1828800" rtl="0">
+      <a:defRPr kern="1200" sz="1800">
         <a:solidFill>
           <a:schemeClr val="tx1"/>
         </a:solidFill>
@@ -92,8 +92,8 @@
         <a:cs typeface="+mn-cs"/>
       </a:defRPr>
     </a:lvl5pPr>
-    <a:lvl6pPr marL="2286000" algn="l" defTabSz="457200" rtl="0" eaLnBrk="1" latinLnBrk="0" hangingPunct="1">
-      <a:defRPr sz="1800" kern="1200">
+    <a:lvl6pPr algn="l" defTabSz="457200" eaLnBrk="1" hangingPunct="1" latinLnBrk="0" marL="2286000" rtl="0">
+      <a:defRPr kern="1200" sz="1800">
         <a:solidFill>
           <a:schemeClr val="tx1"/>
         </a:solidFill>
@@ -102,8 +102,8 @@
         <a:cs typeface="+mn-cs"/>
       </a:defRPr>
     </a:lvl6pPr>
-    <a:lvl7pPr marL="2743200" algn="l" defTabSz="457200" rtl="0" eaLnBrk="1" latinLnBrk="0" hangingPunct="1">
-      <a:defRPr sz="1800" kern="1200">
+    <a:lvl7pPr algn="l" defTabSz="457200" eaLnBrk="1" hangingPunct="1" latinLnBrk="0" marL="2743200" rtl="0">
+      <a:defRPr kern="1200" sz="1800">
         <a:solidFill>
           <a:schemeClr val="tx1"/>
         </a:solidFill>
@@ -112,8 +112,8 @@
         <a:cs typeface="+mn-cs"/>
       </a:defRPr>
     </a:lvl7pPr>
-    <a:lvl8pPr marL="3200400" algn="l" defTabSz="457200" rtl="0" eaLnBrk="1" latinLnBrk="0" hangingPunct="1">
-      <a:defRPr sz="1800" kern="1200">
+    <a:lvl8pPr algn="l" defTabSz="457200" eaLnBrk="1" hangingPunct="1" latinLnBrk="0" marL="3200400" rtl="0">
+      <a:defRPr kern="1200" sz="1800">
         <a:solidFill>
           <a:schemeClr val="tx1"/>
         </a:solidFill>
@@ -122,8 +122,8 @@
         <a:cs typeface="+mn-cs"/>
       </a:defRPr>
     </a:lvl8pPr>
-    <a:lvl9pPr marL="3657600" algn="l" defTabSz="457200" rtl="0" eaLnBrk="1" latinLnBrk="0" hangingPunct="1">
-      <a:defRPr sz="1800" kern="1200">
+    <a:lvl9pPr algn="l" defTabSz="457200" eaLnBrk="1" hangingPunct="1" latinLnBrk="0" marL="3657600" rtl="0">
+      <a:defRPr kern="1200" sz="1800">
         <a:solidFill>
           <a:schemeClr val="tx1"/>
         </a:solidFill>
@@ -1816,7 +1816,7 @@
             </a:r>
             <a:r>
               <a:rPr/>
-              <a:t>presentaiton</a:t>
+              <a:t>presentation</a:t>
             </a:r>
             <a:r>
               <a:rPr/>
@@ -2442,7 +2442,7 @@
             </a:r>
             <a:r>
               <a:rPr/>
-              <a:t>someting</a:t>
+              <a:t>something</a:t>
             </a:r>
             <a:r>
               <a:rPr/>
@@ -5236,7 +5236,7 @@
             </a:r>
             <a:r>
               <a:rPr/>
-              <a:t>Powerpoint</a:t>
+              <a:t>PowerPoint</a:t>
             </a:r>
             <a:r>
               <a:rPr/>
@@ -5578,7 +5578,7 @@
             </a:r>
             <a:r>
               <a:rPr/>
-              <a:t>Powerpoint</a:t>
+              <a:t>PowerPoint</a:t>
             </a:r>
             <a:r>
               <a:rPr/>
@@ -5900,7 +5900,7 @@
             </a:r>
             <a:r>
               <a:rPr/>
-              <a:t>Gettyburg</a:t>
+              <a:t>Gettysburg</a:t>
             </a:r>
             <a:r>
               <a:rPr/>
@@ -8374,7 +8374,7 @@
             </a:r>
             <a:r>
               <a:rPr/>
-              <a:t>earth."</a:t>
+              <a:t>earth.”</a:t>
             </a:r>
           </a:p>
           <a:p>
@@ -8557,332 +8557,6 @@
             <a:r>
               <a:rPr/>
               <a:t>talk.</a:t>
-            </a:r>
-          </a:p>
-          <a:p>
-            <a:pPr lvl="0" marL="0" indent="0">
-              <a:buNone/>
-            </a:pPr>
-          </a:p>
-          <a:p>
-            <a:pPr lvl="0" marL="0" indent="0">
-              <a:buNone/>
-            </a:pPr>
-            <a:r>
-              <a:rPr/>
-              <a:t>The</a:t>
-            </a:r>
-            <a:r>
-              <a:rPr/>
-              <a:t> </a:t>
-            </a:r>
-            <a:r>
-              <a:rPr/>
-              <a:t>first</a:t>
-            </a:r>
-            <a:r>
-              <a:rPr/>
-              <a:t> </a:t>
-            </a:r>
-            <a:r>
-              <a:rPr/>
-              <a:t>slide</a:t>
-            </a:r>
-            <a:r>
-              <a:rPr/>
-              <a:t> </a:t>
-            </a:r>
-            <a:r>
-              <a:rPr/>
-              <a:t>reads</a:t>
-            </a:r>
-            <a:r>
-              <a:rPr/>
-              <a:t> </a:t>
-            </a:r>
-            <a:r>
-              <a:rPr/>
-              <a:t>“</a:t>
-            </a:r>
-            <a:r>
-              <a:rPr/>
-              <a:t>Agenda</a:t>
-            </a:r>
-            <a:r>
-              <a:rPr/>
-              <a:t>”</a:t>
-            </a:r>
-            <a:r>
-              <a:rPr/>
-              <a:t> </a:t>
-            </a:r>
-            <a:r>
-              <a:rPr/>
-              <a:t>with</a:t>
-            </a:r>
-            <a:r>
-              <a:rPr/>
-              <a:t> </a:t>
-            </a:r>
-            <a:r>
-              <a:rPr/>
-              <a:t>bullet</a:t>
-            </a:r>
-            <a:r>
-              <a:rPr/>
-              <a:t> </a:t>
-            </a:r>
-            <a:r>
-              <a:rPr/>
-              <a:t>points</a:t>
-            </a:r>
-          </a:p>
-          <a:p>
-            <a:pPr lvl="0" marL="0" indent="0">
-              <a:buNone/>
-            </a:pPr>
-          </a:p>
-          <a:p>
-            <a:pPr lvl="0" marL="0" indent="0">
-              <a:buNone/>
-            </a:pPr>
-            <a:r>
-              <a:rPr/>
-              <a:t>Met</a:t>
-            </a:r>
-            <a:r>
-              <a:rPr/>
-              <a:t> </a:t>
-            </a:r>
-            <a:r>
-              <a:rPr/>
-              <a:t>on</a:t>
-            </a:r>
-            <a:r>
-              <a:rPr/>
-              <a:t> </a:t>
-            </a:r>
-            <a:r>
-              <a:rPr/>
-              <a:t>the</a:t>
-            </a:r>
-            <a:r>
-              <a:rPr/>
-              <a:t> </a:t>
-            </a:r>
-            <a:r>
-              <a:rPr/>
-              <a:t>battlefied</a:t>
-            </a:r>
-            <a:r>
-              <a:rPr/>
-              <a:t> </a:t>
-            </a:r>
-            <a:r>
-              <a:rPr/>
-              <a:t>(great)</a:t>
-            </a:r>
-          </a:p>
-          <a:p>
-            <a:pPr lvl="0" marL="0" indent="0">
-              <a:buNone/>
-            </a:pPr>
-          </a:p>
-          <a:p>
-            <a:pPr lvl="0" marL="0" indent="0">
-              <a:buNone/>
-            </a:pPr>
-            <a:r>
-              <a:rPr/>
-              <a:t>Dedicate</a:t>
-            </a:r>
-            <a:r>
-              <a:rPr/>
-              <a:t> </a:t>
-            </a:r>
-            <a:r>
-              <a:rPr/>
-              <a:t>portion</a:t>
-            </a:r>
-            <a:r>
-              <a:rPr/>
-              <a:t> </a:t>
-            </a:r>
-            <a:r>
-              <a:rPr/>
-              <a:t>of</a:t>
-            </a:r>
-            <a:r>
-              <a:rPr/>
-              <a:t> </a:t>
-            </a:r>
-            <a:r>
-              <a:rPr/>
-              <a:t>field</a:t>
-            </a:r>
-            <a:r>
-              <a:rPr/>
-              <a:t> </a:t>
-            </a:r>
-            <a:r>
-              <a:rPr/>
-              <a:t>-</a:t>
-            </a:r>
-            <a:r>
-              <a:rPr/>
-              <a:t> </a:t>
-            </a:r>
-            <a:r>
-              <a:rPr/>
-              <a:t>fitting!</a:t>
-            </a:r>
-          </a:p>
-          <a:p>
-            <a:pPr lvl="0" marL="0" indent="0">
-              <a:buNone/>
-            </a:pPr>
-          </a:p>
-          <a:p>
-            <a:pPr lvl="0" marL="0" indent="0">
-              <a:buNone/>
-            </a:pPr>
-            <a:r>
-              <a:rPr/>
-              <a:t>Unfinished</a:t>
-            </a:r>
-            <a:r>
-              <a:rPr/>
-              <a:t> </a:t>
-            </a:r>
-            <a:r>
-              <a:rPr/>
-              <a:t>work</a:t>
-            </a:r>
-            <a:r>
-              <a:rPr/>
-              <a:t> </a:t>
-            </a:r>
-            <a:r>
-              <a:rPr/>
-              <a:t>(great</a:t>
-            </a:r>
-            <a:r>
-              <a:rPr/>
-              <a:t> </a:t>
-            </a:r>
-            <a:r>
-              <a:rPr/>
-              <a:t>tasks.)</a:t>
-            </a:r>
-          </a:p>
-          <a:p>
-            <a:pPr lvl="0" marL="0" indent="0">
-              <a:buNone/>
-            </a:pPr>
-          </a:p>
-          <a:p>
-            <a:pPr lvl="0" marL="0" indent="0">
-              <a:buNone/>
-            </a:pPr>
-            <a:r>
-              <a:rPr/>
-              <a:t>Notice</a:t>
-            </a:r>
-            <a:r>
-              <a:rPr/>
-              <a:t> </a:t>
-            </a:r>
-            <a:r>
-              <a:rPr/>
-              <a:t>how</a:t>
-            </a:r>
-            <a:r>
-              <a:rPr/>
-              <a:t> </a:t>
-            </a:r>
-            <a:r>
-              <a:rPr/>
-              <a:t>the</a:t>
-            </a:r>
-            <a:r>
-              <a:rPr/>
-              <a:t> </a:t>
-            </a:r>
-            <a:r>
-              <a:rPr/>
-              <a:t>bullets</a:t>
-            </a:r>
-            <a:r>
-              <a:rPr/>
-              <a:t> </a:t>
-            </a:r>
-            <a:r>
-              <a:rPr/>
-              <a:t>literally</a:t>
-            </a:r>
-            <a:r>
-              <a:rPr/>
-              <a:t> </a:t>
-            </a:r>
-            <a:r>
-              <a:rPr/>
-              <a:t>suck</a:t>
-            </a:r>
-            <a:r>
-              <a:rPr/>
-              <a:t> </a:t>
-            </a:r>
-            <a:r>
-              <a:rPr/>
-              <a:t>the</a:t>
-            </a:r>
-            <a:r>
-              <a:rPr/>
-              <a:t> </a:t>
-            </a:r>
-            <a:r>
-              <a:rPr/>
-              <a:t>life</a:t>
-            </a:r>
-            <a:r>
-              <a:rPr/>
-              <a:t> </a:t>
-            </a:r>
-            <a:r>
-              <a:rPr/>
-              <a:t>out</a:t>
-            </a:r>
-            <a:r>
-              <a:rPr/>
-              <a:t> </a:t>
-            </a:r>
-            <a:r>
-              <a:rPr/>
-              <a:t>of</a:t>
-            </a:r>
-            <a:r>
-              <a:rPr/>
-              <a:t> </a:t>
-            </a:r>
-            <a:r>
-              <a:rPr/>
-              <a:t>Lincoln’s</a:t>
-            </a:r>
-            <a:r>
-              <a:rPr/>
-              <a:t> </a:t>
-            </a:r>
-            <a:r>
-              <a:rPr/>
-              <a:t>inspirational</a:t>
-            </a:r>
-            <a:r>
-              <a:rPr/>
-              <a:t> </a:t>
-            </a:r>
-            <a:r>
-              <a:rPr/>
-              <a:t>words?</a:t>
             </a:r>
           </a:p>
         </p:txBody>
@@ -9082,7 +8756,7 @@
             </a:r>
             <a:r>
               <a:rPr/>
-              <a:t>battlefied</a:t>
+              <a:t>battlefield</a:t>
             </a:r>
             <a:r>
               <a:rPr/>
@@ -10582,7 +10256,7 @@
             </a:r>
             <a:r>
               <a:rPr/>
-              <a:t>Powerpoint</a:t>
+              <a:t>PowerPoint</a:t>
             </a:r>
             <a:r>
               <a:rPr/>
@@ -11816,7 +11490,7 @@
             </a:r>
             <a:r>
               <a:rPr/>
-              <a:t>amd</a:t>
+              <a:t>and</a:t>
             </a:r>
             <a:r>
               <a:rPr/>
@@ -13140,7 +12814,7 @@
             </a:r>
             <a:r>
               <a:rPr/>
-              <a:t>convery.</a:t>
+              <a:t>convey.</a:t>
             </a:r>
             <a:r>
               <a:rPr/>
@@ -14496,7 +14170,7 @@
             </a:r>
             <a:r>
               <a:rPr/>
-              <a:t>prhase</a:t>
+              <a:t>phrase</a:t>
             </a:r>
             <a:r>
               <a:rPr/>
@@ -16620,7 +16294,7 @@
             </a:r>
             <a:r>
               <a:rPr/>
-              <a:t>negaitve.</a:t>
+              <a:t>negative.</a:t>
             </a:r>
             <a:r>
               <a:rPr/>
@@ -16668,7 +16342,7 @@
             </a:r>
             <a:r>
               <a:rPr/>
-              <a:t>interviwer</a:t>
+              <a:t>interviewer</a:t>
             </a:r>
             <a:r>
               <a:rPr/>
@@ -17892,7 +17566,7 @@
             </a:r>
             <a:r>
               <a:rPr/>
-              <a:t>papter</a:t>
+              <a:t>paper</a:t>
             </a:r>
             <a:r>
               <a:rPr/>
@@ -18698,7 +18372,7 @@
             </a:r>
             <a:r>
               <a:rPr/>
-              <a:t>minimuze</a:t>
+              <a:t>minimize</a:t>
             </a:r>
             <a:r>
               <a:rPr/>
@@ -18956,7 +18630,7 @@
             </a:r>
             <a:r>
               <a:rPr/>
-              <a:t>alloted</a:t>
+              <a:t>allotted</a:t>
             </a:r>
             <a:r>
               <a:rPr/>
@@ -21368,7 +21042,7 @@
             </a:r>
             <a:r>
               <a:rPr/>
-              <a:t>alloted</a:t>
+              <a:t>allotted</a:t>
             </a:r>
             <a:r>
               <a:rPr/>
@@ -21554,7 +21228,7 @@
             </a:r>
             <a:r>
               <a:rPr/>
-              <a:t>Powerpoint</a:t>
+              <a:t>PowerPoint</a:t>
             </a:r>
             <a:r>
               <a:rPr/>
@@ -21728,7 +21402,7 @@
             </a:r>
             <a:r>
               <a:rPr/>
-              <a:t>wnat</a:t>
+              <a:t>want</a:t>
             </a:r>
             <a:r>
               <a:rPr/>
@@ -24961,7 +24635,7 @@
             </a:r>
             <a:r>
               <a:rPr/>
-              <a:t>13</a:t>
+              <a:t>14</a:t>
             </a:r>
             <a:r>
               <a:rPr/>
@@ -25013,7 +24687,7 @@
             <a:spLocks noGrp="1"/>
           </p:cNvSpPr>
           <p:nvPr>
-            <p:ph type="subTitle" idx="1"/>
+            <p:ph idx="1" type="subTitle"/>
           </p:nvPr>
         </p:nvSpPr>
         <p:spPr>
@@ -25134,7 +24808,7 @@
             <a:pPr lvl="2"/>
             <a:r>
               <a:rPr/>
-              <a:t>Microsoft Powerpoint</a:t>
+              <a:t>Microsoft PowerPoint</a:t>
             </a:r>
           </a:p>
           <a:p>
@@ -25582,7 +25256,7 @@
             </a:r>
             <a:r>
               <a:rPr/>
-              <a:t>Powerpoint</a:t>
+              <a:t>PowerPoint</a:t>
             </a:r>
             <a:r>
               <a:rPr/>
@@ -27574,7 +27248,7 @@
             </a:r>
             <a:r>
               <a:rPr/>
-              <a:t>Powerpoint</a:t>
+              <a:t>PowerPoint</a:t>
             </a:r>
             <a:r>
               <a:rPr/>
@@ -27769,7 +27443,7 @@
             </a:r>
             <a:r>
               <a:rPr/>
-              <a:t>Powerpoint</a:t>
+              <a:t>PowerPoint</a:t>
             </a:r>
             <a:r>
               <a:rPr/>
@@ -29134,7 +28808,7 @@
             <a:pPr lvl="2"/>
             <a:r>
               <a:rPr/>
-              <a:t>Pracice in an environment similar to your talk</a:t>
+              <a:t>Practice in an environment similar to your talk</a:t>
             </a:r>
           </a:p>
         </p:txBody>
